--- a/ppt 16-9/1538.患难中能歌唱.pptx
+++ b/ppt 16-9/1538.患难中能歌唱.pptx
@@ -129,7 +129,7 @@
           <p:cNvPr id="2" name="标题 1">
             <a:extLst>
               <a:ext uri="{FF2B5EF4-FFF2-40B4-BE49-F238E27FC236}">
-                <a16:creationId xmlns:a16="http://schemas.microsoft.com/office/drawing/2014/main" id="{E8C96A36-37F0-833E-22A8-FAD94AA4E078}"/>
+                <a16:creationId xmlns:a16="http://schemas.microsoft.com/office/drawing/2014/main" id="{CB1E8C91-9851-42DC-139A-99B94F47B9F9}"/>
               </a:ext>
             </a:extLst>
           </p:cNvPr>
@@ -166,7 +166,7 @@
           <p:cNvPr id="3" name="副标题 2">
             <a:extLst>
               <a:ext uri="{FF2B5EF4-FFF2-40B4-BE49-F238E27FC236}">
-                <a16:creationId xmlns:a16="http://schemas.microsoft.com/office/drawing/2014/main" id="{C4DC3079-9189-BE54-DBEE-AFC5A7DC7F08}"/>
+                <a16:creationId xmlns:a16="http://schemas.microsoft.com/office/drawing/2014/main" id="{C87273F6-6C45-5665-42D1-FA088EEA9DA0}"/>
               </a:ext>
             </a:extLst>
           </p:cNvPr>
@@ -236,7 +236,7 @@
           <p:cNvPr id="4" name="日期占位符 3">
             <a:extLst>
               <a:ext uri="{FF2B5EF4-FFF2-40B4-BE49-F238E27FC236}">
-                <a16:creationId xmlns:a16="http://schemas.microsoft.com/office/drawing/2014/main" id="{47053883-F3C1-B377-FE90-873C1B74AAE1}"/>
+                <a16:creationId xmlns:a16="http://schemas.microsoft.com/office/drawing/2014/main" id="{4C114B10-04A5-B3F4-A189-3B2FDFC4768B}"/>
               </a:ext>
             </a:extLst>
           </p:cNvPr>
@@ -252,7 +252,7 @@
           <a:bodyPr/>
           <a:lstStyle/>
           <a:p>
-            <a:fld id="{F21DC2D7-D559-4333-ACEC-6BDD0EFEFAE9}" type="datetimeFigureOut">
+            <a:fld id="{68429787-3C40-4B68-A265-FF49DF925B69}" type="datetimeFigureOut">
               <a:rPr lang="zh-CN" altLang="en-US" smtClean="0"/>
               <a:t>2024/3/10</a:t>
             </a:fld>
@@ -265,7 +265,7 @@
           <p:cNvPr id="5" name="页脚占位符 4">
             <a:extLst>
               <a:ext uri="{FF2B5EF4-FFF2-40B4-BE49-F238E27FC236}">
-                <a16:creationId xmlns:a16="http://schemas.microsoft.com/office/drawing/2014/main" id="{A4AFA755-F2FA-E637-DDB4-09BF2388F650}"/>
+                <a16:creationId xmlns:a16="http://schemas.microsoft.com/office/drawing/2014/main" id="{00BF8BAE-FAAD-2A51-A7AB-CE68643D1955}"/>
               </a:ext>
             </a:extLst>
           </p:cNvPr>
@@ -290,7 +290,7 @@
           <p:cNvPr id="6" name="灯片编号占位符 5">
             <a:extLst>
               <a:ext uri="{FF2B5EF4-FFF2-40B4-BE49-F238E27FC236}">
-                <a16:creationId xmlns:a16="http://schemas.microsoft.com/office/drawing/2014/main" id="{DBE69AB0-A71C-8AE9-F83B-B90F7F40EDE9}"/>
+                <a16:creationId xmlns:a16="http://schemas.microsoft.com/office/drawing/2014/main" id="{91D6CBEF-BD41-A055-6C57-EF3D490B5EC8}"/>
               </a:ext>
             </a:extLst>
           </p:cNvPr>
@@ -306,7 +306,7 @@
           <a:bodyPr/>
           <a:lstStyle/>
           <a:p>
-            <a:fld id="{BECA44E9-C568-4751-977F-66277907C398}" type="slidenum">
+            <a:fld id="{9F4A02F3-EE9B-460C-BFDD-D1EBE90306EA}" type="slidenum">
               <a:rPr lang="zh-CN" altLang="en-US" smtClean="0"/>
               <a:t>‹#›</a:t>
             </a:fld>
@@ -317,7 +317,7 @@
     </p:spTree>
     <p:extLst>
       <p:ext uri="{BB962C8B-B14F-4D97-AF65-F5344CB8AC3E}">
-        <p14:creationId xmlns:p14="http://schemas.microsoft.com/office/powerpoint/2010/main" val="1160652664"/>
+        <p14:creationId xmlns:p14="http://schemas.microsoft.com/office/powerpoint/2010/main" val="1826152861"/>
       </p:ext>
     </p:extLst>
   </p:cSld>
@@ -349,7 +349,7 @@
           <p:cNvPr id="2" name="标题 1">
             <a:extLst>
               <a:ext uri="{FF2B5EF4-FFF2-40B4-BE49-F238E27FC236}">
-                <a16:creationId xmlns:a16="http://schemas.microsoft.com/office/drawing/2014/main" id="{6F89EEF9-4188-A740-CDD0-C9FEFB668602}"/>
+                <a16:creationId xmlns:a16="http://schemas.microsoft.com/office/drawing/2014/main" id="{1EBEAF7E-B528-D955-4913-F02E9BB5F46F}"/>
               </a:ext>
             </a:extLst>
           </p:cNvPr>
@@ -377,7 +377,7 @@
           <p:cNvPr id="3" name="竖排文字占位符 2">
             <a:extLst>
               <a:ext uri="{FF2B5EF4-FFF2-40B4-BE49-F238E27FC236}">
-                <a16:creationId xmlns:a16="http://schemas.microsoft.com/office/drawing/2014/main" id="{2F9FB799-93D8-3775-AC37-AF0CCB9A64CC}"/>
+                <a16:creationId xmlns:a16="http://schemas.microsoft.com/office/drawing/2014/main" id="{47CFCE66-BB5A-87CC-A9FE-6AA84D5A55B0}"/>
               </a:ext>
             </a:extLst>
           </p:cNvPr>
@@ -434,7 +434,7 @@
           <p:cNvPr id="4" name="日期占位符 3">
             <a:extLst>
               <a:ext uri="{FF2B5EF4-FFF2-40B4-BE49-F238E27FC236}">
-                <a16:creationId xmlns:a16="http://schemas.microsoft.com/office/drawing/2014/main" id="{B39CF437-8BA1-78F8-E2C9-0B4A80C59685}"/>
+                <a16:creationId xmlns:a16="http://schemas.microsoft.com/office/drawing/2014/main" id="{CD2B7CFE-9664-CFFF-CC1B-889C14627610}"/>
               </a:ext>
             </a:extLst>
           </p:cNvPr>
@@ -450,7 +450,7 @@
           <a:bodyPr/>
           <a:lstStyle/>
           <a:p>
-            <a:fld id="{F21DC2D7-D559-4333-ACEC-6BDD0EFEFAE9}" type="datetimeFigureOut">
+            <a:fld id="{68429787-3C40-4B68-A265-FF49DF925B69}" type="datetimeFigureOut">
               <a:rPr lang="zh-CN" altLang="en-US" smtClean="0"/>
               <a:t>2024/3/10</a:t>
             </a:fld>
@@ -463,7 +463,7 @@
           <p:cNvPr id="5" name="页脚占位符 4">
             <a:extLst>
               <a:ext uri="{FF2B5EF4-FFF2-40B4-BE49-F238E27FC236}">
-                <a16:creationId xmlns:a16="http://schemas.microsoft.com/office/drawing/2014/main" id="{B1C57673-9C97-A6A0-A8C5-C04B5B307E07}"/>
+                <a16:creationId xmlns:a16="http://schemas.microsoft.com/office/drawing/2014/main" id="{06AA77D0-9CD5-F1D9-F546-B55D4246120F}"/>
               </a:ext>
             </a:extLst>
           </p:cNvPr>
@@ -488,7 +488,7 @@
           <p:cNvPr id="6" name="灯片编号占位符 5">
             <a:extLst>
               <a:ext uri="{FF2B5EF4-FFF2-40B4-BE49-F238E27FC236}">
-                <a16:creationId xmlns:a16="http://schemas.microsoft.com/office/drawing/2014/main" id="{43A66291-363D-969D-9BB2-3C3289A2279B}"/>
+                <a16:creationId xmlns:a16="http://schemas.microsoft.com/office/drawing/2014/main" id="{56D7DBB9-F0FB-183C-2B36-83A0E48BBAA5}"/>
               </a:ext>
             </a:extLst>
           </p:cNvPr>
@@ -504,7 +504,7 @@
           <a:bodyPr/>
           <a:lstStyle/>
           <a:p>
-            <a:fld id="{BECA44E9-C568-4751-977F-66277907C398}" type="slidenum">
+            <a:fld id="{9F4A02F3-EE9B-460C-BFDD-D1EBE90306EA}" type="slidenum">
               <a:rPr lang="zh-CN" altLang="en-US" smtClean="0"/>
               <a:t>‹#›</a:t>
             </a:fld>
@@ -515,7 +515,7 @@
     </p:spTree>
     <p:extLst>
       <p:ext uri="{BB962C8B-B14F-4D97-AF65-F5344CB8AC3E}">
-        <p14:creationId xmlns:p14="http://schemas.microsoft.com/office/powerpoint/2010/main" val="2435133377"/>
+        <p14:creationId xmlns:p14="http://schemas.microsoft.com/office/powerpoint/2010/main" val="1151388822"/>
       </p:ext>
     </p:extLst>
   </p:cSld>
@@ -547,7 +547,7 @@
           <p:cNvPr id="2" name="竖排标题 1">
             <a:extLst>
               <a:ext uri="{FF2B5EF4-FFF2-40B4-BE49-F238E27FC236}">
-                <a16:creationId xmlns:a16="http://schemas.microsoft.com/office/drawing/2014/main" id="{41302300-F20F-9B2F-209E-71367C0DFC38}"/>
+                <a16:creationId xmlns:a16="http://schemas.microsoft.com/office/drawing/2014/main" id="{B7BB5188-1DBF-C14E-0DB4-D9F6F9DAAE39}"/>
               </a:ext>
             </a:extLst>
           </p:cNvPr>
@@ -580,7 +580,7 @@
           <p:cNvPr id="3" name="竖排文字占位符 2">
             <a:extLst>
               <a:ext uri="{FF2B5EF4-FFF2-40B4-BE49-F238E27FC236}">
-                <a16:creationId xmlns:a16="http://schemas.microsoft.com/office/drawing/2014/main" id="{D6F4A255-7647-8E8E-8D7B-A97A836BDA59}"/>
+                <a16:creationId xmlns:a16="http://schemas.microsoft.com/office/drawing/2014/main" id="{25380115-AA2A-0FA8-1DBD-607C68394D2A}"/>
               </a:ext>
             </a:extLst>
           </p:cNvPr>
@@ -642,7 +642,7 @@
           <p:cNvPr id="4" name="日期占位符 3">
             <a:extLst>
               <a:ext uri="{FF2B5EF4-FFF2-40B4-BE49-F238E27FC236}">
-                <a16:creationId xmlns:a16="http://schemas.microsoft.com/office/drawing/2014/main" id="{865672CA-FBB5-712C-3603-07EE87FF89EC}"/>
+                <a16:creationId xmlns:a16="http://schemas.microsoft.com/office/drawing/2014/main" id="{B0A26393-DB56-B768-EC8A-8DA7B9206A4B}"/>
               </a:ext>
             </a:extLst>
           </p:cNvPr>
@@ -658,7 +658,7 @@
           <a:bodyPr/>
           <a:lstStyle/>
           <a:p>
-            <a:fld id="{F21DC2D7-D559-4333-ACEC-6BDD0EFEFAE9}" type="datetimeFigureOut">
+            <a:fld id="{68429787-3C40-4B68-A265-FF49DF925B69}" type="datetimeFigureOut">
               <a:rPr lang="zh-CN" altLang="en-US" smtClean="0"/>
               <a:t>2024/3/10</a:t>
             </a:fld>
@@ -671,7 +671,7 @@
           <p:cNvPr id="5" name="页脚占位符 4">
             <a:extLst>
               <a:ext uri="{FF2B5EF4-FFF2-40B4-BE49-F238E27FC236}">
-                <a16:creationId xmlns:a16="http://schemas.microsoft.com/office/drawing/2014/main" id="{536D0D0B-0418-72A1-CF82-ADAF746816F8}"/>
+                <a16:creationId xmlns:a16="http://schemas.microsoft.com/office/drawing/2014/main" id="{61BA6970-0C32-A877-CE6B-DC205FB7CF1A}"/>
               </a:ext>
             </a:extLst>
           </p:cNvPr>
@@ -696,7 +696,7 @@
           <p:cNvPr id="6" name="灯片编号占位符 5">
             <a:extLst>
               <a:ext uri="{FF2B5EF4-FFF2-40B4-BE49-F238E27FC236}">
-                <a16:creationId xmlns:a16="http://schemas.microsoft.com/office/drawing/2014/main" id="{B122321A-C876-0DBE-8B0A-5865C5C8C553}"/>
+                <a16:creationId xmlns:a16="http://schemas.microsoft.com/office/drawing/2014/main" id="{26CDD208-6FFE-0F09-4545-EA800151B179}"/>
               </a:ext>
             </a:extLst>
           </p:cNvPr>
@@ -712,7 +712,7 @@
           <a:bodyPr/>
           <a:lstStyle/>
           <a:p>
-            <a:fld id="{BECA44E9-C568-4751-977F-66277907C398}" type="slidenum">
+            <a:fld id="{9F4A02F3-EE9B-460C-BFDD-D1EBE90306EA}" type="slidenum">
               <a:rPr lang="zh-CN" altLang="en-US" smtClean="0"/>
               <a:t>‹#›</a:t>
             </a:fld>
@@ -723,7 +723,7 @@
     </p:spTree>
     <p:extLst>
       <p:ext uri="{BB962C8B-B14F-4D97-AF65-F5344CB8AC3E}">
-        <p14:creationId xmlns:p14="http://schemas.microsoft.com/office/powerpoint/2010/main" val="440400780"/>
+        <p14:creationId xmlns:p14="http://schemas.microsoft.com/office/powerpoint/2010/main" val="1543411155"/>
       </p:ext>
     </p:extLst>
   </p:cSld>
@@ -755,7 +755,7 @@
           <p:cNvPr id="2" name="标题 1">
             <a:extLst>
               <a:ext uri="{FF2B5EF4-FFF2-40B4-BE49-F238E27FC236}">
-                <a16:creationId xmlns:a16="http://schemas.microsoft.com/office/drawing/2014/main" id="{A70A6714-5FF7-87D0-902C-D69FFBF57399}"/>
+                <a16:creationId xmlns:a16="http://schemas.microsoft.com/office/drawing/2014/main" id="{6A9A17A4-A815-8362-4CDD-7FB6B740B624}"/>
               </a:ext>
             </a:extLst>
           </p:cNvPr>
@@ -783,7 +783,7 @@
           <p:cNvPr id="3" name="内容占位符 2">
             <a:extLst>
               <a:ext uri="{FF2B5EF4-FFF2-40B4-BE49-F238E27FC236}">
-                <a16:creationId xmlns:a16="http://schemas.microsoft.com/office/drawing/2014/main" id="{EECF56D7-C571-F446-37C3-154550A1F9BB}"/>
+                <a16:creationId xmlns:a16="http://schemas.microsoft.com/office/drawing/2014/main" id="{25771DAF-9B88-A073-407E-33697CE2AC88}"/>
               </a:ext>
             </a:extLst>
           </p:cNvPr>
@@ -840,7 +840,7 @@
           <p:cNvPr id="4" name="日期占位符 3">
             <a:extLst>
               <a:ext uri="{FF2B5EF4-FFF2-40B4-BE49-F238E27FC236}">
-                <a16:creationId xmlns:a16="http://schemas.microsoft.com/office/drawing/2014/main" id="{CE8FD3BC-02D3-765E-F921-E9C521DBEFED}"/>
+                <a16:creationId xmlns:a16="http://schemas.microsoft.com/office/drawing/2014/main" id="{8B41B52C-26B0-EA12-AEF5-ED50FA0D14DD}"/>
               </a:ext>
             </a:extLst>
           </p:cNvPr>
@@ -856,7 +856,7 @@
           <a:bodyPr/>
           <a:lstStyle/>
           <a:p>
-            <a:fld id="{F21DC2D7-D559-4333-ACEC-6BDD0EFEFAE9}" type="datetimeFigureOut">
+            <a:fld id="{68429787-3C40-4B68-A265-FF49DF925B69}" type="datetimeFigureOut">
               <a:rPr lang="zh-CN" altLang="en-US" smtClean="0"/>
               <a:t>2024/3/10</a:t>
             </a:fld>
@@ -869,7 +869,7 @@
           <p:cNvPr id="5" name="页脚占位符 4">
             <a:extLst>
               <a:ext uri="{FF2B5EF4-FFF2-40B4-BE49-F238E27FC236}">
-                <a16:creationId xmlns:a16="http://schemas.microsoft.com/office/drawing/2014/main" id="{8ADE7D95-ABBD-39A9-F7E4-94167E2A7209}"/>
+                <a16:creationId xmlns:a16="http://schemas.microsoft.com/office/drawing/2014/main" id="{D5F0EB89-46E6-B739-C2DB-81F67D85741F}"/>
               </a:ext>
             </a:extLst>
           </p:cNvPr>
@@ -894,7 +894,7 @@
           <p:cNvPr id="6" name="灯片编号占位符 5">
             <a:extLst>
               <a:ext uri="{FF2B5EF4-FFF2-40B4-BE49-F238E27FC236}">
-                <a16:creationId xmlns:a16="http://schemas.microsoft.com/office/drawing/2014/main" id="{A19AAFBA-72CB-4A20-3BF5-4C470FE0D4C4}"/>
+                <a16:creationId xmlns:a16="http://schemas.microsoft.com/office/drawing/2014/main" id="{3F0ED247-813C-2528-8B69-AB16D99B3772}"/>
               </a:ext>
             </a:extLst>
           </p:cNvPr>
@@ -910,7 +910,7 @@
           <a:bodyPr/>
           <a:lstStyle/>
           <a:p>
-            <a:fld id="{BECA44E9-C568-4751-977F-66277907C398}" type="slidenum">
+            <a:fld id="{9F4A02F3-EE9B-460C-BFDD-D1EBE90306EA}" type="slidenum">
               <a:rPr lang="zh-CN" altLang="en-US" smtClean="0"/>
               <a:t>‹#›</a:t>
             </a:fld>
@@ -921,7 +921,7 @@
     </p:spTree>
     <p:extLst>
       <p:ext uri="{BB962C8B-B14F-4D97-AF65-F5344CB8AC3E}">
-        <p14:creationId xmlns:p14="http://schemas.microsoft.com/office/powerpoint/2010/main" val="2606333660"/>
+        <p14:creationId xmlns:p14="http://schemas.microsoft.com/office/powerpoint/2010/main" val="1535755480"/>
       </p:ext>
     </p:extLst>
   </p:cSld>
@@ -953,7 +953,7 @@
           <p:cNvPr id="2" name="标题 1">
             <a:extLst>
               <a:ext uri="{FF2B5EF4-FFF2-40B4-BE49-F238E27FC236}">
-                <a16:creationId xmlns:a16="http://schemas.microsoft.com/office/drawing/2014/main" id="{FD3EF060-2B65-0E65-D62F-6774C2BF930C}"/>
+                <a16:creationId xmlns:a16="http://schemas.microsoft.com/office/drawing/2014/main" id="{504CE91C-FFDB-6A94-B937-15F4C0EAED9D}"/>
               </a:ext>
             </a:extLst>
           </p:cNvPr>
@@ -990,7 +990,7 @@
           <p:cNvPr id="3" name="文本占位符 2">
             <a:extLst>
               <a:ext uri="{FF2B5EF4-FFF2-40B4-BE49-F238E27FC236}">
-                <a16:creationId xmlns:a16="http://schemas.microsoft.com/office/drawing/2014/main" id="{5D1B224F-063C-6B0A-FA3A-7E3E0D3FF87B}"/>
+                <a16:creationId xmlns:a16="http://schemas.microsoft.com/office/drawing/2014/main" id="{454A78F4-45FB-5127-22CD-5F74560E147D}"/>
               </a:ext>
             </a:extLst>
           </p:cNvPr>
@@ -1115,7 +1115,7 @@
           <p:cNvPr id="4" name="日期占位符 3">
             <a:extLst>
               <a:ext uri="{FF2B5EF4-FFF2-40B4-BE49-F238E27FC236}">
-                <a16:creationId xmlns:a16="http://schemas.microsoft.com/office/drawing/2014/main" id="{57E25431-F2F4-8325-C446-BEE18C245267}"/>
+                <a16:creationId xmlns:a16="http://schemas.microsoft.com/office/drawing/2014/main" id="{50059518-8356-CEEB-BE70-92FC8D0C41C7}"/>
               </a:ext>
             </a:extLst>
           </p:cNvPr>
@@ -1131,7 +1131,7 @@
           <a:bodyPr/>
           <a:lstStyle/>
           <a:p>
-            <a:fld id="{F21DC2D7-D559-4333-ACEC-6BDD0EFEFAE9}" type="datetimeFigureOut">
+            <a:fld id="{68429787-3C40-4B68-A265-FF49DF925B69}" type="datetimeFigureOut">
               <a:rPr lang="zh-CN" altLang="en-US" smtClean="0"/>
               <a:t>2024/3/10</a:t>
             </a:fld>
@@ -1144,7 +1144,7 @@
           <p:cNvPr id="5" name="页脚占位符 4">
             <a:extLst>
               <a:ext uri="{FF2B5EF4-FFF2-40B4-BE49-F238E27FC236}">
-                <a16:creationId xmlns:a16="http://schemas.microsoft.com/office/drawing/2014/main" id="{BFDF947D-2912-1B43-7047-0DCA6572213D}"/>
+                <a16:creationId xmlns:a16="http://schemas.microsoft.com/office/drawing/2014/main" id="{93E00BA8-EC1A-CA2A-3070-21EA3EBA6E2E}"/>
               </a:ext>
             </a:extLst>
           </p:cNvPr>
@@ -1169,7 +1169,7 @@
           <p:cNvPr id="6" name="灯片编号占位符 5">
             <a:extLst>
               <a:ext uri="{FF2B5EF4-FFF2-40B4-BE49-F238E27FC236}">
-                <a16:creationId xmlns:a16="http://schemas.microsoft.com/office/drawing/2014/main" id="{3C90EC89-3476-1869-5645-6A6F3485AD17}"/>
+                <a16:creationId xmlns:a16="http://schemas.microsoft.com/office/drawing/2014/main" id="{FEF56768-9625-F3BC-4D80-A215B6F88BA8}"/>
               </a:ext>
             </a:extLst>
           </p:cNvPr>
@@ -1185,7 +1185,7 @@
           <a:bodyPr/>
           <a:lstStyle/>
           <a:p>
-            <a:fld id="{BECA44E9-C568-4751-977F-66277907C398}" type="slidenum">
+            <a:fld id="{9F4A02F3-EE9B-460C-BFDD-D1EBE90306EA}" type="slidenum">
               <a:rPr lang="zh-CN" altLang="en-US" smtClean="0"/>
               <a:t>‹#›</a:t>
             </a:fld>
@@ -1196,7 +1196,7 @@
     </p:spTree>
     <p:extLst>
       <p:ext uri="{BB962C8B-B14F-4D97-AF65-F5344CB8AC3E}">
-        <p14:creationId xmlns:p14="http://schemas.microsoft.com/office/powerpoint/2010/main" val="2939807708"/>
+        <p14:creationId xmlns:p14="http://schemas.microsoft.com/office/powerpoint/2010/main" val="2375475179"/>
       </p:ext>
     </p:extLst>
   </p:cSld>
@@ -1228,7 +1228,7 @@
           <p:cNvPr id="2" name="标题 1">
             <a:extLst>
               <a:ext uri="{FF2B5EF4-FFF2-40B4-BE49-F238E27FC236}">
-                <a16:creationId xmlns:a16="http://schemas.microsoft.com/office/drawing/2014/main" id="{40A44C6A-1901-B434-D28F-BC9D2F01DB5D}"/>
+                <a16:creationId xmlns:a16="http://schemas.microsoft.com/office/drawing/2014/main" id="{915A8C12-B845-EEB6-47BF-B2D1083CFB36}"/>
               </a:ext>
             </a:extLst>
           </p:cNvPr>
@@ -1256,7 +1256,7 @@
           <p:cNvPr id="3" name="内容占位符 2">
             <a:extLst>
               <a:ext uri="{FF2B5EF4-FFF2-40B4-BE49-F238E27FC236}">
-                <a16:creationId xmlns:a16="http://schemas.microsoft.com/office/drawing/2014/main" id="{CFA1CBC2-8F9A-8080-7BFE-82DF0B18068E}"/>
+                <a16:creationId xmlns:a16="http://schemas.microsoft.com/office/drawing/2014/main" id="{2AB8DBC7-9E3D-5FEA-5E5A-27995616E002}"/>
               </a:ext>
             </a:extLst>
           </p:cNvPr>
@@ -1318,7 +1318,7 @@
           <p:cNvPr id="4" name="内容占位符 3">
             <a:extLst>
               <a:ext uri="{FF2B5EF4-FFF2-40B4-BE49-F238E27FC236}">
-                <a16:creationId xmlns:a16="http://schemas.microsoft.com/office/drawing/2014/main" id="{27FA33D9-451A-47B4-7872-4CBEA45C3F85}"/>
+                <a16:creationId xmlns:a16="http://schemas.microsoft.com/office/drawing/2014/main" id="{15EAEC07-07AA-757D-3725-9A7405BF6082}"/>
               </a:ext>
             </a:extLst>
           </p:cNvPr>
@@ -1380,7 +1380,7 @@
           <p:cNvPr id="5" name="日期占位符 4">
             <a:extLst>
               <a:ext uri="{FF2B5EF4-FFF2-40B4-BE49-F238E27FC236}">
-                <a16:creationId xmlns:a16="http://schemas.microsoft.com/office/drawing/2014/main" id="{4EC1AAA8-D186-F61F-78DA-9A651DBF2138}"/>
+                <a16:creationId xmlns:a16="http://schemas.microsoft.com/office/drawing/2014/main" id="{C73DFBA6-10B1-78B1-7B90-0C15AFEFBE29}"/>
               </a:ext>
             </a:extLst>
           </p:cNvPr>
@@ -1396,7 +1396,7 @@
           <a:bodyPr/>
           <a:lstStyle/>
           <a:p>
-            <a:fld id="{F21DC2D7-D559-4333-ACEC-6BDD0EFEFAE9}" type="datetimeFigureOut">
+            <a:fld id="{68429787-3C40-4B68-A265-FF49DF925B69}" type="datetimeFigureOut">
               <a:rPr lang="zh-CN" altLang="en-US" smtClean="0"/>
               <a:t>2024/3/10</a:t>
             </a:fld>
@@ -1409,7 +1409,7 @@
           <p:cNvPr id="6" name="页脚占位符 5">
             <a:extLst>
               <a:ext uri="{FF2B5EF4-FFF2-40B4-BE49-F238E27FC236}">
-                <a16:creationId xmlns:a16="http://schemas.microsoft.com/office/drawing/2014/main" id="{2CDC7F71-8596-C53C-408C-7105CEF3B283}"/>
+                <a16:creationId xmlns:a16="http://schemas.microsoft.com/office/drawing/2014/main" id="{7948AA06-D89B-D8F5-2251-BF07A4014A0A}"/>
               </a:ext>
             </a:extLst>
           </p:cNvPr>
@@ -1434,7 +1434,7 @@
           <p:cNvPr id="7" name="灯片编号占位符 6">
             <a:extLst>
               <a:ext uri="{FF2B5EF4-FFF2-40B4-BE49-F238E27FC236}">
-                <a16:creationId xmlns:a16="http://schemas.microsoft.com/office/drawing/2014/main" id="{3EB792CE-47EB-3164-77EE-F2F3826074E0}"/>
+                <a16:creationId xmlns:a16="http://schemas.microsoft.com/office/drawing/2014/main" id="{21C80AD2-ABFA-1144-71C6-AC9322F3B245}"/>
               </a:ext>
             </a:extLst>
           </p:cNvPr>
@@ -1450,7 +1450,7 @@
           <a:bodyPr/>
           <a:lstStyle/>
           <a:p>
-            <a:fld id="{BECA44E9-C568-4751-977F-66277907C398}" type="slidenum">
+            <a:fld id="{9F4A02F3-EE9B-460C-BFDD-D1EBE90306EA}" type="slidenum">
               <a:rPr lang="zh-CN" altLang="en-US" smtClean="0"/>
               <a:t>‹#›</a:t>
             </a:fld>
@@ -1461,7 +1461,7 @@
     </p:spTree>
     <p:extLst>
       <p:ext uri="{BB962C8B-B14F-4D97-AF65-F5344CB8AC3E}">
-        <p14:creationId xmlns:p14="http://schemas.microsoft.com/office/powerpoint/2010/main" val="3907210803"/>
+        <p14:creationId xmlns:p14="http://schemas.microsoft.com/office/powerpoint/2010/main" val="3830590755"/>
       </p:ext>
     </p:extLst>
   </p:cSld>
@@ -1493,7 +1493,7 @@
           <p:cNvPr id="2" name="标题 1">
             <a:extLst>
               <a:ext uri="{FF2B5EF4-FFF2-40B4-BE49-F238E27FC236}">
-                <a16:creationId xmlns:a16="http://schemas.microsoft.com/office/drawing/2014/main" id="{0327C39F-208E-DF77-C344-26FA0640B852}"/>
+                <a16:creationId xmlns:a16="http://schemas.microsoft.com/office/drawing/2014/main" id="{8B7602A8-7C77-F0A2-4464-C2A89B15A33D}"/>
               </a:ext>
             </a:extLst>
           </p:cNvPr>
@@ -1526,7 +1526,7 @@
           <p:cNvPr id="3" name="文本占位符 2">
             <a:extLst>
               <a:ext uri="{FF2B5EF4-FFF2-40B4-BE49-F238E27FC236}">
-                <a16:creationId xmlns:a16="http://schemas.microsoft.com/office/drawing/2014/main" id="{F9A4D7DC-0C2B-7D1E-BE60-7F93378D4647}"/>
+                <a16:creationId xmlns:a16="http://schemas.microsoft.com/office/drawing/2014/main" id="{A8E61A34-18B9-0EEF-6C3B-68AE26ECF50A}"/>
               </a:ext>
             </a:extLst>
           </p:cNvPr>
@@ -1597,7 +1597,7 @@
           <p:cNvPr id="4" name="内容占位符 3">
             <a:extLst>
               <a:ext uri="{FF2B5EF4-FFF2-40B4-BE49-F238E27FC236}">
-                <a16:creationId xmlns:a16="http://schemas.microsoft.com/office/drawing/2014/main" id="{F09A70CF-55ED-9054-9584-8D53C936F6D7}"/>
+                <a16:creationId xmlns:a16="http://schemas.microsoft.com/office/drawing/2014/main" id="{A9EA9A46-0C4A-CAB2-552C-67E85DA0672B}"/>
               </a:ext>
             </a:extLst>
           </p:cNvPr>
@@ -1659,7 +1659,7 @@
           <p:cNvPr id="5" name="文本占位符 4">
             <a:extLst>
               <a:ext uri="{FF2B5EF4-FFF2-40B4-BE49-F238E27FC236}">
-                <a16:creationId xmlns:a16="http://schemas.microsoft.com/office/drawing/2014/main" id="{426BD09E-057E-38D1-D661-6F7CA2F05F0B}"/>
+                <a16:creationId xmlns:a16="http://schemas.microsoft.com/office/drawing/2014/main" id="{276F8640-4CB2-E8BE-3C0E-49E70B32EC0B}"/>
               </a:ext>
             </a:extLst>
           </p:cNvPr>
@@ -1730,7 +1730,7 @@
           <p:cNvPr id="6" name="内容占位符 5">
             <a:extLst>
               <a:ext uri="{FF2B5EF4-FFF2-40B4-BE49-F238E27FC236}">
-                <a16:creationId xmlns:a16="http://schemas.microsoft.com/office/drawing/2014/main" id="{666CED15-3DCB-70F5-C407-04505D00F658}"/>
+                <a16:creationId xmlns:a16="http://schemas.microsoft.com/office/drawing/2014/main" id="{E49EB3B4-06CD-3211-84A4-F4B01A647069}"/>
               </a:ext>
             </a:extLst>
           </p:cNvPr>
@@ -1792,7 +1792,7 @@
           <p:cNvPr id="7" name="日期占位符 6">
             <a:extLst>
               <a:ext uri="{FF2B5EF4-FFF2-40B4-BE49-F238E27FC236}">
-                <a16:creationId xmlns:a16="http://schemas.microsoft.com/office/drawing/2014/main" id="{ECF9D8FE-F1C9-5B47-0C2E-F37D4A5875E6}"/>
+                <a16:creationId xmlns:a16="http://schemas.microsoft.com/office/drawing/2014/main" id="{70F6FBED-67D4-E5E7-477F-A7F4E0F2121E}"/>
               </a:ext>
             </a:extLst>
           </p:cNvPr>
@@ -1808,7 +1808,7 @@
           <a:bodyPr/>
           <a:lstStyle/>
           <a:p>
-            <a:fld id="{F21DC2D7-D559-4333-ACEC-6BDD0EFEFAE9}" type="datetimeFigureOut">
+            <a:fld id="{68429787-3C40-4B68-A265-FF49DF925B69}" type="datetimeFigureOut">
               <a:rPr lang="zh-CN" altLang="en-US" smtClean="0"/>
               <a:t>2024/3/10</a:t>
             </a:fld>
@@ -1821,7 +1821,7 @@
           <p:cNvPr id="8" name="页脚占位符 7">
             <a:extLst>
               <a:ext uri="{FF2B5EF4-FFF2-40B4-BE49-F238E27FC236}">
-                <a16:creationId xmlns:a16="http://schemas.microsoft.com/office/drawing/2014/main" id="{DB7506C2-5DA5-35B1-5E53-4EA9545480E8}"/>
+                <a16:creationId xmlns:a16="http://schemas.microsoft.com/office/drawing/2014/main" id="{316A2ED8-E1C6-0412-1A7A-15AADD7775FD}"/>
               </a:ext>
             </a:extLst>
           </p:cNvPr>
@@ -1846,7 +1846,7 @@
           <p:cNvPr id="9" name="灯片编号占位符 8">
             <a:extLst>
               <a:ext uri="{FF2B5EF4-FFF2-40B4-BE49-F238E27FC236}">
-                <a16:creationId xmlns:a16="http://schemas.microsoft.com/office/drawing/2014/main" id="{059DFDBC-0ADA-01D0-887B-B1F4E5E1AB2C}"/>
+                <a16:creationId xmlns:a16="http://schemas.microsoft.com/office/drawing/2014/main" id="{915A5927-1C34-6035-9995-911F058CB7F2}"/>
               </a:ext>
             </a:extLst>
           </p:cNvPr>
@@ -1862,7 +1862,7 @@
           <a:bodyPr/>
           <a:lstStyle/>
           <a:p>
-            <a:fld id="{BECA44E9-C568-4751-977F-66277907C398}" type="slidenum">
+            <a:fld id="{9F4A02F3-EE9B-460C-BFDD-D1EBE90306EA}" type="slidenum">
               <a:rPr lang="zh-CN" altLang="en-US" smtClean="0"/>
               <a:t>‹#›</a:t>
             </a:fld>
@@ -1873,7 +1873,7 @@
     </p:spTree>
     <p:extLst>
       <p:ext uri="{BB962C8B-B14F-4D97-AF65-F5344CB8AC3E}">
-        <p14:creationId xmlns:p14="http://schemas.microsoft.com/office/powerpoint/2010/main" val="1176237485"/>
+        <p14:creationId xmlns:p14="http://schemas.microsoft.com/office/powerpoint/2010/main" val="865243053"/>
       </p:ext>
     </p:extLst>
   </p:cSld>
@@ -1905,7 +1905,7 @@
           <p:cNvPr id="2" name="标题 1">
             <a:extLst>
               <a:ext uri="{FF2B5EF4-FFF2-40B4-BE49-F238E27FC236}">
-                <a16:creationId xmlns:a16="http://schemas.microsoft.com/office/drawing/2014/main" id="{F334F283-E095-BB5A-A450-1163561C2B04}"/>
+                <a16:creationId xmlns:a16="http://schemas.microsoft.com/office/drawing/2014/main" id="{C495AE63-07AE-1CB7-9C87-5B227C502BBD}"/>
               </a:ext>
             </a:extLst>
           </p:cNvPr>
@@ -1933,7 +1933,7 @@
           <p:cNvPr id="3" name="日期占位符 2">
             <a:extLst>
               <a:ext uri="{FF2B5EF4-FFF2-40B4-BE49-F238E27FC236}">
-                <a16:creationId xmlns:a16="http://schemas.microsoft.com/office/drawing/2014/main" id="{63246311-8C1E-4014-48DF-76BA94B5DFEA}"/>
+                <a16:creationId xmlns:a16="http://schemas.microsoft.com/office/drawing/2014/main" id="{AC2E148A-B668-D095-631F-47EA16CA6CFB}"/>
               </a:ext>
             </a:extLst>
           </p:cNvPr>
@@ -1949,7 +1949,7 @@
           <a:bodyPr/>
           <a:lstStyle/>
           <a:p>
-            <a:fld id="{F21DC2D7-D559-4333-ACEC-6BDD0EFEFAE9}" type="datetimeFigureOut">
+            <a:fld id="{68429787-3C40-4B68-A265-FF49DF925B69}" type="datetimeFigureOut">
               <a:rPr lang="zh-CN" altLang="en-US" smtClean="0"/>
               <a:t>2024/3/10</a:t>
             </a:fld>
@@ -1962,7 +1962,7 @@
           <p:cNvPr id="4" name="页脚占位符 3">
             <a:extLst>
               <a:ext uri="{FF2B5EF4-FFF2-40B4-BE49-F238E27FC236}">
-                <a16:creationId xmlns:a16="http://schemas.microsoft.com/office/drawing/2014/main" id="{53500583-B4F4-1BCA-76C4-82EC88CE9CD8}"/>
+                <a16:creationId xmlns:a16="http://schemas.microsoft.com/office/drawing/2014/main" id="{BBED175B-D1FA-AE8D-37AF-4412C1A71FED}"/>
               </a:ext>
             </a:extLst>
           </p:cNvPr>
@@ -1987,7 +1987,7 @@
           <p:cNvPr id="5" name="灯片编号占位符 4">
             <a:extLst>
               <a:ext uri="{FF2B5EF4-FFF2-40B4-BE49-F238E27FC236}">
-                <a16:creationId xmlns:a16="http://schemas.microsoft.com/office/drawing/2014/main" id="{8C4792BE-472A-26ED-E9AF-501475EADAB8}"/>
+                <a16:creationId xmlns:a16="http://schemas.microsoft.com/office/drawing/2014/main" id="{C871B54A-AD6D-BCC5-3D97-35EEDA0AAF3F}"/>
               </a:ext>
             </a:extLst>
           </p:cNvPr>
@@ -2003,7 +2003,7 @@
           <a:bodyPr/>
           <a:lstStyle/>
           <a:p>
-            <a:fld id="{BECA44E9-C568-4751-977F-66277907C398}" type="slidenum">
+            <a:fld id="{9F4A02F3-EE9B-460C-BFDD-D1EBE90306EA}" type="slidenum">
               <a:rPr lang="zh-CN" altLang="en-US" smtClean="0"/>
               <a:t>‹#›</a:t>
             </a:fld>
@@ -2014,7 +2014,7 @@
     </p:spTree>
     <p:extLst>
       <p:ext uri="{BB962C8B-B14F-4D97-AF65-F5344CB8AC3E}">
-        <p14:creationId xmlns:p14="http://schemas.microsoft.com/office/powerpoint/2010/main" val="3149430374"/>
+        <p14:creationId xmlns:p14="http://schemas.microsoft.com/office/powerpoint/2010/main" val="1476224689"/>
       </p:ext>
     </p:extLst>
   </p:cSld>
@@ -2046,7 +2046,7 @@
           <p:cNvPr id="2" name="日期占位符 1">
             <a:extLst>
               <a:ext uri="{FF2B5EF4-FFF2-40B4-BE49-F238E27FC236}">
-                <a16:creationId xmlns:a16="http://schemas.microsoft.com/office/drawing/2014/main" id="{33E1264A-732F-DEDE-52A1-875ABDFCA667}"/>
+                <a16:creationId xmlns:a16="http://schemas.microsoft.com/office/drawing/2014/main" id="{6B26CE56-00FD-F1A6-83A1-4C51E284BCF0}"/>
               </a:ext>
             </a:extLst>
           </p:cNvPr>
@@ -2062,7 +2062,7 @@
           <a:bodyPr/>
           <a:lstStyle/>
           <a:p>
-            <a:fld id="{F21DC2D7-D559-4333-ACEC-6BDD0EFEFAE9}" type="datetimeFigureOut">
+            <a:fld id="{68429787-3C40-4B68-A265-FF49DF925B69}" type="datetimeFigureOut">
               <a:rPr lang="zh-CN" altLang="en-US" smtClean="0"/>
               <a:t>2024/3/10</a:t>
             </a:fld>
@@ -2075,7 +2075,7 @@
           <p:cNvPr id="3" name="页脚占位符 2">
             <a:extLst>
               <a:ext uri="{FF2B5EF4-FFF2-40B4-BE49-F238E27FC236}">
-                <a16:creationId xmlns:a16="http://schemas.microsoft.com/office/drawing/2014/main" id="{DD110285-B624-ABD5-412F-19F5EC021008}"/>
+                <a16:creationId xmlns:a16="http://schemas.microsoft.com/office/drawing/2014/main" id="{BB9EF592-A42D-BAE1-18A2-5B3640646B9C}"/>
               </a:ext>
             </a:extLst>
           </p:cNvPr>
@@ -2100,7 +2100,7 @@
           <p:cNvPr id="4" name="灯片编号占位符 3">
             <a:extLst>
               <a:ext uri="{FF2B5EF4-FFF2-40B4-BE49-F238E27FC236}">
-                <a16:creationId xmlns:a16="http://schemas.microsoft.com/office/drawing/2014/main" id="{9D5BB830-91FB-01B1-368E-25B0FF17086E}"/>
+                <a16:creationId xmlns:a16="http://schemas.microsoft.com/office/drawing/2014/main" id="{303D5652-D380-1E5A-7114-CA638B398EF9}"/>
               </a:ext>
             </a:extLst>
           </p:cNvPr>
@@ -2116,7 +2116,7 @@
           <a:bodyPr/>
           <a:lstStyle/>
           <a:p>
-            <a:fld id="{BECA44E9-C568-4751-977F-66277907C398}" type="slidenum">
+            <a:fld id="{9F4A02F3-EE9B-460C-BFDD-D1EBE90306EA}" type="slidenum">
               <a:rPr lang="zh-CN" altLang="en-US" smtClean="0"/>
               <a:t>‹#›</a:t>
             </a:fld>
@@ -2127,7 +2127,7 @@
     </p:spTree>
     <p:extLst>
       <p:ext uri="{BB962C8B-B14F-4D97-AF65-F5344CB8AC3E}">
-        <p14:creationId xmlns:p14="http://schemas.microsoft.com/office/powerpoint/2010/main" val="913969166"/>
+        <p14:creationId xmlns:p14="http://schemas.microsoft.com/office/powerpoint/2010/main" val="322552103"/>
       </p:ext>
     </p:extLst>
   </p:cSld>
@@ -2159,7 +2159,7 @@
           <p:cNvPr id="2" name="标题 1">
             <a:extLst>
               <a:ext uri="{FF2B5EF4-FFF2-40B4-BE49-F238E27FC236}">
-                <a16:creationId xmlns:a16="http://schemas.microsoft.com/office/drawing/2014/main" id="{03C725C2-D9CC-7D68-3345-E2E503F0E15E}"/>
+                <a16:creationId xmlns:a16="http://schemas.microsoft.com/office/drawing/2014/main" id="{7736D2B5-0848-F2E3-1A2D-07E34935FBE8}"/>
               </a:ext>
             </a:extLst>
           </p:cNvPr>
@@ -2196,7 +2196,7 @@
           <p:cNvPr id="3" name="内容占位符 2">
             <a:extLst>
               <a:ext uri="{FF2B5EF4-FFF2-40B4-BE49-F238E27FC236}">
-                <a16:creationId xmlns:a16="http://schemas.microsoft.com/office/drawing/2014/main" id="{1F10FA9D-95CE-BE0A-29B0-E9712A7529BF}"/>
+                <a16:creationId xmlns:a16="http://schemas.microsoft.com/office/drawing/2014/main" id="{B23D9654-3D90-15E6-561D-3380731B8168}"/>
               </a:ext>
             </a:extLst>
           </p:cNvPr>
@@ -2286,7 +2286,7 @@
           <p:cNvPr id="4" name="文本占位符 3">
             <a:extLst>
               <a:ext uri="{FF2B5EF4-FFF2-40B4-BE49-F238E27FC236}">
-                <a16:creationId xmlns:a16="http://schemas.microsoft.com/office/drawing/2014/main" id="{4BBC92E4-16B8-0113-74A5-91BFC6E4CB03}"/>
+                <a16:creationId xmlns:a16="http://schemas.microsoft.com/office/drawing/2014/main" id="{05A77A1B-6832-DEE4-22A9-656168BAC34B}"/>
               </a:ext>
             </a:extLst>
           </p:cNvPr>
@@ -2357,7 +2357,7 @@
           <p:cNvPr id="5" name="日期占位符 4">
             <a:extLst>
               <a:ext uri="{FF2B5EF4-FFF2-40B4-BE49-F238E27FC236}">
-                <a16:creationId xmlns:a16="http://schemas.microsoft.com/office/drawing/2014/main" id="{0F2CBD6C-FC18-8064-A066-EC4314A496AF}"/>
+                <a16:creationId xmlns:a16="http://schemas.microsoft.com/office/drawing/2014/main" id="{24110D37-77BC-0A57-B9D7-A1CC21E1FF90}"/>
               </a:ext>
             </a:extLst>
           </p:cNvPr>
@@ -2373,7 +2373,7 @@
           <a:bodyPr/>
           <a:lstStyle/>
           <a:p>
-            <a:fld id="{F21DC2D7-D559-4333-ACEC-6BDD0EFEFAE9}" type="datetimeFigureOut">
+            <a:fld id="{68429787-3C40-4B68-A265-FF49DF925B69}" type="datetimeFigureOut">
               <a:rPr lang="zh-CN" altLang="en-US" smtClean="0"/>
               <a:t>2024/3/10</a:t>
             </a:fld>
@@ -2386,7 +2386,7 @@
           <p:cNvPr id="6" name="页脚占位符 5">
             <a:extLst>
               <a:ext uri="{FF2B5EF4-FFF2-40B4-BE49-F238E27FC236}">
-                <a16:creationId xmlns:a16="http://schemas.microsoft.com/office/drawing/2014/main" id="{48D1887F-214B-F23F-BA85-20303AF8F79A}"/>
+                <a16:creationId xmlns:a16="http://schemas.microsoft.com/office/drawing/2014/main" id="{6F0C1963-702F-3AB4-8E0D-8E7D7E23FFAA}"/>
               </a:ext>
             </a:extLst>
           </p:cNvPr>
@@ -2411,7 +2411,7 @@
           <p:cNvPr id="7" name="灯片编号占位符 6">
             <a:extLst>
               <a:ext uri="{FF2B5EF4-FFF2-40B4-BE49-F238E27FC236}">
-                <a16:creationId xmlns:a16="http://schemas.microsoft.com/office/drawing/2014/main" id="{C6D08523-F9F4-67E6-E713-4F45806827AF}"/>
+                <a16:creationId xmlns:a16="http://schemas.microsoft.com/office/drawing/2014/main" id="{E2A2CAEF-5B00-AE41-2DD6-2CA7A888C3BC}"/>
               </a:ext>
             </a:extLst>
           </p:cNvPr>
@@ -2427,7 +2427,7 @@
           <a:bodyPr/>
           <a:lstStyle/>
           <a:p>
-            <a:fld id="{BECA44E9-C568-4751-977F-66277907C398}" type="slidenum">
+            <a:fld id="{9F4A02F3-EE9B-460C-BFDD-D1EBE90306EA}" type="slidenum">
               <a:rPr lang="zh-CN" altLang="en-US" smtClean="0"/>
               <a:t>‹#›</a:t>
             </a:fld>
@@ -2438,7 +2438,7 @@
     </p:spTree>
     <p:extLst>
       <p:ext uri="{BB962C8B-B14F-4D97-AF65-F5344CB8AC3E}">
-        <p14:creationId xmlns:p14="http://schemas.microsoft.com/office/powerpoint/2010/main" val="3998866647"/>
+        <p14:creationId xmlns:p14="http://schemas.microsoft.com/office/powerpoint/2010/main" val="36857911"/>
       </p:ext>
     </p:extLst>
   </p:cSld>
@@ -2470,7 +2470,7 @@
           <p:cNvPr id="2" name="标题 1">
             <a:extLst>
               <a:ext uri="{FF2B5EF4-FFF2-40B4-BE49-F238E27FC236}">
-                <a16:creationId xmlns:a16="http://schemas.microsoft.com/office/drawing/2014/main" id="{C73ACF1F-3BE6-2EA9-D5B9-469AC586196C}"/>
+                <a16:creationId xmlns:a16="http://schemas.microsoft.com/office/drawing/2014/main" id="{1ED3FD0D-E33F-96C8-EC53-83A81D88446B}"/>
               </a:ext>
             </a:extLst>
           </p:cNvPr>
@@ -2507,7 +2507,7 @@
           <p:cNvPr id="3" name="图片占位符 2">
             <a:extLst>
               <a:ext uri="{FF2B5EF4-FFF2-40B4-BE49-F238E27FC236}">
-                <a16:creationId xmlns:a16="http://schemas.microsoft.com/office/drawing/2014/main" id="{E41DDEF3-DB87-813A-54B2-664C036DAE02}"/>
+                <a16:creationId xmlns:a16="http://schemas.microsoft.com/office/drawing/2014/main" id="{AD88BA95-0A2C-35C3-C23C-1CDFD790A768}"/>
               </a:ext>
             </a:extLst>
           </p:cNvPr>
@@ -2574,7 +2574,7 @@
           <p:cNvPr id="4" name="文本占位符 3">
             <a:extLst>
               <a:ext uri="{FF2B5EF4-FFF2-40B4-BE49-F238E27FC236}">
-                <a16:creationId xmlns:a16="http://schemas.microsoft.com/office/drawing/2014/main" id="{310FB8F5-5B97-2FFF-9A97-7597651E6285}"/>
+                <a16:creationId xmlns:a16="http://schemas.microsoft.com/office/drawing/2014/main" id="{D2DC8B06-639B-1D5D-C907-891F331ECC76}"/>
               </a:ext>
             </a:extLst>
           </p:cNvPr>
@@ -2645,7 +2645,7 @@
           <p:cNvPr id="5" name="日期占位符 4">
             <a:extLst>
               <a:ext uri="{FF2B5EF4-FFF2-40B4-BE49-F238E27FC236}">
-                <a16:creationId xmlns:a16="http://schemas.microsoft.com/office/drawing/2014/main" id="{C2315199-7743-C2F7-BA08-CCACE12A5CA2}"/>
+                <a16:creationId xmlns:a16="http://schemas.microsoft.com/office/drawing/2014/main" id="{915A4280-96F1-A661-A106-A7D6901C6BD6}"/>
               </a:ext>
             </a:extLst>
           </p:cNvPr>
@@ -2661,7 +2661,7 @@
           <a:bodyPr/>
           <a:lstStyle/>
           <a:p>
-            <a:fld id="{F21DC2D7-D559-4333-ACEC-6BDD0EFEFAE9}" type="datetimeFigureOut">
+            <a:fld id="{68429787-3C40-4B68-A265-FF49DF925B69}" type="datetimeFigureOut">
               <a:rPr lang="zh-CN" altLang="en-US" smtClean="0"/>
               <a:t>2024/3/10</a:t>
             </a:fld>
@@ -2674,7 +2674,7 @@
           <p:cNvPr id="6" name="页脚占位符 5">
             <a:extLst>
               <a:ext uri="{FF2B5EF4-FFF2-40B4-BE49-F238E27FC236}">
-                <a16:creationId xmlns:a16="http://schemas.microsoft.com/office/drawing/2014/main" id="{5A6B8949-9DA1-0D67-40CF-965047E3EA3C}"/>
+                <a16:creationId xmlns:a16="http://schemas.microsoft.com/office/drawing/2014/main" id="{E494B727-94F5-0347-6BD8-3A74411D6E76}"/>
               </a:ext>
             </a:extLst>
           </p:cNvPr>
@@ -2699,7 +2699,7 @@
           <p:cNvPr id="7" name="灯片编号占位符 6">
             <a:extLst>
               <a:ext uri="{FF2B5EF4-FFF2-40B4-BE49-F238E27FC236}">
-                <a16:creationId xmlns:a16="http://schemas.microsoft.com/office/drawing/2014/main" id="{83879223-B5CD-E2A2-2A48-8660918265D0}"/>
+                <a16:creationId xmlns:a16="http://schemas.microsoft.com/office/drawing/2014/main" id="{9ED670BC-4AE6-811B-C709-C335380CAA63}"/>
               </a:ext>
             </a:extLst>
           </p:cNvPr>
@@ -2715,7 +2715,7 @@
           <a:bodyPr/>
           <a:lstStyle/>
           <a:p>
-            <a:fld id="{BECA44E9-C568-4751-977F-66277907C398}" type="slidenum">
+            <a:fld id="{9F4A02F3-EE9B-460C-BFDD-D1EBE90306EA}" type="slidenum">
               <a:rPr lang="zh-CN" altLang="en-US" smtClean="0"/>
               <a:t>‹#›</a:t>
             </a:fld>
@@ -2726,7 +2726,7 @@
     </p:spTree>
     <p:extLst>
       <p:ext uri="{BB962C8B-B14F-4D97-AF65-F5344CB8AC3E}">
-        <p14:creationId xmlns:p14="http://schemas.microsoft.com/office/powerpoint/2010/main" val="248544043"/>
+        <p14:creationId xmlns:p14="http://schemas.microsoft.com/office/powerpoint/2010/main" val="3395985070"/>
       </p:ext>
     </p:extLst>
   </p:cSld>
@@ -2763,7 +2763,7 @@
           <p:cNvPr id="2" name="标题占位符 1">
             <a:extLst>
               <a:ext uri="{FF2B5EF4-FFF2-40B4-BE49-F238E27FC236}">
-                <a16:creationId xmlns:a16="http://schemas.microsoft.com/office/drawing/2014/main" id="{41F566B4-1DC7-86A1-DD8F-EE3CD1EBE041}"/>
+                <a16:creationId xmlns:a16="http://schemas.microsoft.com/office/drawing/2014/main" id="{37F60DC0-810F-E8DD-630E-113B4EE5D4FD}"/>
               </a:ext>
             </a:extLst>
           </p:cNvPr>
@@ -2801,7 +2801,7 @@
           <p:cNvPr id="3" name="文本占位符 2">
             <a:extLst>
               <a:ext uri="{FF2B5EF4-FFF2-40B4-BE49-F238E27FC236}">
-                <a16:creationId xmlns:a16="http://schemas.microsoft.com/office/drawing/2014/main" id="{74DAF430-787C-E9B6-772E-B9F2D6AC7351}"/>
+                <a16:creationId xmlns:a16="http://schemas.microsoft.com/office/drawing/2014/main" id="{E6568E80-6AC1-0563-00AA-7CE57CD31D98}"/>
               </a:ext>
             </a:extLst>
           </p:cNvPr>
@@ -2868,7 +2868,7 @@
           <p:cNvPr id="4" name="日期占位符 3">
             <a:extLst>
               <a:ext uri="{FF2B5EF4-FFF2-40B4-BE49-F238E27FC236}">
-                <a16:creationId xmlns:a16="http://schemas.microsoft.com/office/drawing/2014/main" id="{11E68E5F-1FC2-6E93-6881-DB545C25D20F}"/>
+                <a16:creationId xmlns:a16="http://schemas.microsoft.com/office/drawing/2014/main" id="{8A97D235-8763-8926-1852-3CE49CB3FE2A}"/>
               </a:ext>
             </a:extLst>
           </p:cNvPr>
@@ -2902,7 +2902,7 @@
             </a:lvl1pPr>
           </a:lstStyle>
           <a:p>
-            <a:fld id="{F21DC2D7-D559-4333-ACEC-6BDD0EFEFAE9}" type="datetimeFigureOut">
+            <a:fld id="{68429787-3C40-4B68-A265-FF49DF925B69}" type="datetimeFigureOut">
               <a:rPr lang="zh-CN" altLang="en-US" smtClean="0"/>
               <a:t>2024/3/10</a:t>
             </a:fld>
@@ -2915,7 +2915,7 @@
           <p:cNvPr id="5" name="页脚占位符 4">
             <a:extLst>
               <a:ext uri="{FF2B5EF4-FFF2-40B4-BE49-F238E27FC236}">
-                <a16:creationId xmlns:a16="http://schemas.microsoft.com/office/drawing/2014/main" id="{F82756DB-9A04-4F74-FBEE-D445BF901BE8}"/>
+                <a16:creationId xmlns:a16="http://schemas.microsoft.com/office/drawing/2014/main" id="{4B21FFB7-479F-DB5A-C067-E8328559875D}"/>
               </a:ext>
             </a:extLst>
           </p:cNvPr>
@@ -2958,7 +2958,7 @@
           <p:cNvPr id="6" name="灯片编号占位符 5">
             <a:extLst>
               <a:ext uri="{FF2B5EF4-FFF2-40B4-BE49-F238E27FC236}">
-                <a16:creationId xmlns:a16="http://schemas.microsoft.com/office/drawing/2014/main" id="{528256E8-89ED-DD36-5F22-A619A19D7862}"/>
+                <a16:creationId xmlns:a16="http://schemas.microsoft.com/office/drawing/2014/main" id="{5E6F20B7-4302-34D5-4074-C86E1C9D3C07}"/>
               </a:ext>
             </a:extLst>
           </p:cNvPr>
@@ -2992,7 +2992,7 @@
             </a:lvl1pPr>
           </a:lstStyle>
           <a:p>
-            <a:fld id="{BECA44E9-C568-4751-977F-66277907C398}" type="slidenum">
+            <a:fld id="{9F4A02F3-EE9B-460C-BFDD-D1EBE90306EA}" type="slidenum">
               <a:rPr lang="zh-CN" altLang="en-US" smtClean="0"/>
               <a:t>‹#›</a:t>
             </a:fld>
@@ -3003,7 +3003,7 @@
     </p:spTree>
     <p:extLst>
       <p:ext uri="{BB962C8B-B14F-4D97-AF65-F5344CB8AC3E}">
-        <p14:creationId xmlns:p14="http://schemas.microsoft.com/office/powerpoint/2010/main" val="1691244338"/>
+        <p14:creationId xmlns:p14="http://schemas.microsoft.com/office/powerpoint/2010/main" val="2888496915"/>
       </p:ext>
     </p:extLst>
   </p:cSld>
